--- a/materials/slides/2.4 探索式软件测试——卖点测试法.pptx
+++ b/materials/slides/2.4 探索式软件测试——卖点测试法.pptx
@@ -5,7 +5,7 @@
     <p:sldMasterId id="2147483648" r:id="rId1"/>
   </p:sldMasterIdLst>
   <p:notesMasterIdLst>
-    <p:notesMasterId r:id="rId11"/>
+    <p:notesMasterId r:id="rId10"/>
   </p:notesMasterIdLst>
   <p:sldIdLst>
     <p:sldId id="256" r:id="rId2"/>
@@ -15,8 +15,7 @@
     <p:sldId id="284" r:id="rId6"/>
     <p:sldId id="285" r:id="rId7"/>
     <p:sldId id="286" r:id="rId8"/>
-    <p:sldId id="287" r:id="rId9"/>
-    <p:sldId id="274" r:id="rId10"/>
+    <p:sldId id="274" r:id="rId9"/>
   </p:sldIdLst>
   <p:sldSz cx="12192000" cy="6858000"/>
   <p:notesSz cx="6858000" cy="9144000"/>
@@ -208,7 +207,7 @@
           <a:p>
             <a:fld id="{EC82124A-F363-4BD3-8BA5-C8EDB8A4673E}" type="datetimeFigureOut">
               <a:rPr lang="zh-CN" altLang="en-US" smtClean="0"/>
-              <a:t>2019/8/25</a:t>
+              <a:t>2019/9/17</a:t>
             </a:fld>
             <a:endParaRPr lang="zh-CN" altLang="en-US"/>
           </a:p>
@@ -871,7 +870,7 @@
           <a:p>
             <a:fld id="{C04CF4A6-17F9-4CD5-BCB8-44B65F331829}" type="datetimeFigureOut">
               <a:rPr lang="zh-CN" altLang="en-US" smtClean="0"/>
-              <a:t>2019/8/25</a:t>
+              <a:t>2019/9/17</a:t>
             </a:fld>
             <a:endParaRPr lang="zh-CN" altLang="en-US"/>
           </a:p>
@@ -1163,7 +1162,7 @@
           <a:p>
             <a:fld id="{C04CF4A6-17F9-4CD5-BCB8-44B65F331829}" type="datetimeFigureOut">
               <a:rPr lang="zh-CN" altLang="en-US" smtClean="0"/>
-              <a:t>2019/8/25</a:t>
+              <a:t>2019/9/17</a:t>
             </a:fld>
             <a:endParaRPr lang="zh-CN" altLang="en-US"/>
           </a:p>
@@ -1333,7 +1332,7 @@
           <a:p>
             <a:fld id="{C04CF4A6-17F9-4CD5-BCB8-44B65F331829}" type="datetimeFigureOut">
               <a:rPr lang="zh-CN" altLang="en-US" smtClean="0"/>
-              <a:t>2019/8/25</a:t>
+              <a:t>2019/9/17</a:t>
             </a:fld>
             <a:endParaRPr lang="zh-CN" altLang="en-US"/>
           </a:p>
@@ -1513,7 +1512,7 @@
           <a:p>
             <a:fld id="{C04CF4A6-17F9-4CD5-BCB8-44B65F331829}" type="datetimeFigureOut">
               <a:rPr lang="zh-CN" altLang="en-US" smtClean="0"/>
-              <a:t>2019/8/25</a:t>
+              <a:t>2019/9/17</a:t>
             </a:fld>
             <a:endParaRPr lang="zh-CN" altLang="en-US"/>
           </a:p>
@@ -1737,7 +1736,7 @@
           <a:p>
             <a:fld id="{C04CF4A6-17F9-4CD5-BCB8-44B65F331829}" type="datetimeFigureOut">
               <a:rPr lang="zh-CN" altLang="en-US" smtClean="0"/>
-              <a:t>2019/8/25</a:t>
+              <a:t>2019/9/17</a:t>
             </a:fld>
             <a:endParaRPr lang="zh-CN" altLang="en-US"/>
           </a:p>
@@ -2034,7 +2033,7 @@
           <a:p>
             <a:fld id="{C04CF4A6-17F9-4CD5-BCB8-44B65F331829}" type="datetimeFigureOut">
               <a:rPr lang="zh-CN" altLang="en-US" smtClean="0"/>
-              <a:t>2019/8/25</a:t>
+              <a:t>2019/9/17</a:t>
             </a:fld>
             <a:endParaRPr lang="zh-CN" altLang="en-US"/>
           </a:p>
@@ -2353,7 +2352,7 @@
           <a:p>
             <a:fld id="{C04CF4A6-17F9-4CD5-BCB8-44B65F331829}" type="datetimeFigureOut">
               <a:rPr lang="zh-CN" altLang="en-US" smtClean="0"/>
-              <a:t>2019/8/25</a:t>
+              <a:t>2019/9/17</a:t>
             </a:fld>
             <a:endParaRPr lang="zh-CN" altLang="en-US"/>
           </a:p>
@@ -2585,7 +2584,7 @@
           <a:p>
             <a:fld id="{C04CF4A6-17F9-4CD5-BCB8-44B65F331829}" type="datetimeFigureOut">
               <a:rPr lang="zh-CN" altLang="en-US" smtClean="0"/>
-              <a:t>2019/8/25</a:t>
+              <a:t>2019/9/17</a:t>
             </a:fld>
             <a:endParaRPr lang="zh-CN" altLang="en-US"/>
           </a:p>
@@ -2952,7 +2951,7 @@
           <a:p>
             <a:fld id="{C04CF4A6-17F9-4CD5-BCB8-44B65F331829}" type="datetimeFigureOut">
               <a:rPr lang="zh-CN" altLang="en-US" smtClean="0"/>
-              <a:t>2019/8/25</a:t>
+              <a:t>2019/9/17</a:t>
             </a:fld>
             <a:endParaRPr lang="zh-CN" altLang="en-US"/>
           </a:p>
@@ -3070,7 +3069,7 @@
           <a:p>
             <a:fld id="{C04CF4A6-17F9-4CD5-BCB8-44B65F331829}" type="datetimeFigureOut">
               <a:rPr lang="zh-CN" altLang="en-US" smtClean="0"/>
-              <a:t>2019/8/25</a:t>
+              <a:t>2019/9/17</a:t>
             </a:fld>
             <a:endParaRPr lang="zh-CN" altLang="en-US"/>
           </a:p>
@@ -3165,7 +3164,7 @@
           <a:p>
             <a:fld id="{C04CF4A6-17F9-4CD5-BCB8-44B65F331829}" type="datetimeFigureOut">
               <a:rPr lang="zh-CN" altLang="en-US" smtClean="0"/>
-              <a:t>2019/8/25</a:t>
+              <a:t>2019/9/17</a:t>
             </a:fld>
             <a:endParaRPr lang="zh-CN" altLang="en-US"/>
           </a:p>
@@ -3442,7 +3441,7 @@
           <a:p>
             <a:fld id="{C04CF4A6-17F9-4CD5-BCB8-44B65F331829}" type="datetimeFigureOut">
               <a:rPr lang="zh-CN" altLang="en-US" smtClean="0"/>
-              <a:t>2019/8/25</a:t>
+              <a:t>2019/9/17</a:t>
             </a:fld>
             <a:endParaRPr lang="zh-CN" altLang="en-US"/>
           </a:p>
@@ -3655,7 +3654,7 @@
           <a:p>
             <a:fld id="{C04CF4A6-17F9-4CD5-BCB8-44B65F331829}" type="datetimeFigureOut">
               <a:rPr lang="zh-CN" altLang="en-US" smtClean="0"/>
-              <a:t>2019/8/25</a:t>
+              <a:t>2019/9/17</a:t>
             </a:fld>
             <a:endParaRPr lang="zh-CN" altLang="en-US"/>
           </a:p>
@@ -4233,7 +4232,25 @@
             </a:r>
             <a:r>
               <a:rPr lang="zh-CN" altLang="en-US" dirty="0" smtClean="0"/>
-              <a:t>测试法概述</a:t>
+              <a:t>测试法</a:t>
+            </a:r>
+            <a:r>
+              <a:rPr lang="zh-CN" altLang="en-US" dirty="0" smtClean="0"/>
+              <a:t>概述</a:t>
+            </a:r>
+            <a:endParaRPr lang="en-US" altLang="zh-CN" dirty="0" smtClean="0"/>
+          </a:p>
+          <a:p>
+            <a:r>
+              <a:rPr lang="zh-CN" altLang="en-US" dirty="0" smtClean="0"/>
+              <a:t>怎样做卖点测试</a:t>
+            </a:r>
+            <a:endParaRPr lang="en-US" altLang="zh-CN" dirty="0" smtClean="0"/>
+          </a:p>
+          <a:p>
+            <a:r>
+              <a:rPr lang="zh-CN" altLang="en-US" dirty="0" smtClean="0"/>
+              <a:t>卖点测试法的变种</a:t>
             </a:r>
             <a:endParaRPr lang="en-US" altLang="zh-CN" dirty="0" smtClean="0"/>
           </a:p>
@@ -4505,12 +4522,24 @@
               <a:t>什么是卖点测试法：针对软件中</a:t>
             </a:r>
             <a:r>
-              <a:rPr lang="zh-CN" altLang="en-US" dirty="0"/>
+              <a:rPr lang="zh-CN" altLang="en-US" dirty="0">
+                <a:solidFill>
+                  <a:srgbClr val="FF0000"/>
+                </a:solidFill>
+              </a:rPr>
               <a:t>能够吸引</a:t>
             </a:r>
             <a:r>
+              <a:rPr lang="zh-CN" altLang="en-US" dirty="0" smtClean="0">
+                <a:solidFill>
+                  <a:srgbClr val="FF0000"/>
+                </a:solidFill>
+              </a:rPr>
+              <a:t>客户</a:t>
+            </a:r>
+            <a:r>
               <a:rPr lang="zh-CN" altLang="en-US" dirty="0" smtClean="0"/>
-              <a:t>客户的特色功能进行的测试</a:t>
+              <a:t>的特色功能进行的测试</a:t>
             </a:r>
             <a:endParaRPr lang="en-US" altLang="zh-CN" dirty="0" smtClean="0"/>
           </a:p>
@@ -4562,6 +4591,13 @@
   <p:clrMapOvr>
     <a:masterClrMapping/>
   </p:clrMapOvr>
+  <p:timing>
+    <p:tnLst>
+      <p:par>
+        <p:cTn id="1" dur="indefinite" restart="never" nodeType="tmRoot"/>
+      </p:par>
+    </p:tnLst>
+  </p:timing>
 </p:sld>
 </file>
 
@@ -4679,6 +4715,345 @@
   <p:clrMapOvr>
     <a:masterClrMapping/>
   </p:clrMapOvr>
+  <p:timing>
+    <p:tnLst>
+      <p:par>
+        <p:cTn id="1" dur="indefinite" restart="never" nodeType="tmRoot">
+          <p:childTnLst>
+            <p:seq concurrent="1" nextAc="seek">
+              <p:cTn id="2" dur="indefinite" nodeType="mainSeq">
+                <p:childTnLst>
+                  <p:par>
+                    <p:cTn id="3" fill="hold">
+                      <p:stCondLst>
+                        <p:cond delay="indefinite"/>
+                      </p:stCondLst>
+                      <p:childTnLst>
+                        <p:par>
+                          <p:cTn id="4" fill="hold">
+                            <p:stCondLst>
+                              <p:cond delay="0"/>
+                            </p:stCondLst>
+                            <p:childTnLst>
+                              <p:par>
+                                <p:cTn id="5" presetID="2" presetClass="entr" presetSubtype="4" fill="hold" nodeType="clickEffect">
+                                  <p:stCondLst>
+                                    <p:cond delay="0"/>
+                                  </p:stCondLst>
+                                  <p:childTnLst>
+                                    <p:set>
+                                      <p:cBhvr>
+                                        <p:cTn id="6" dur="1" fill="hold">
+                                          <p:stCondLst>
+                                            <p:cond delay="0"/>
+                                          </p:stCondLst>
+                                        </p:cTn>
+                                        <p:tgtEl>
+                                          <p:spTgt spid="3">
+                                            <p:txEl>
+                                              <p:pRg st="0" end="0"/>
+                                            </p:txEl>
+                                          </p:spTgt>
+                                        </p:tgtEl>
+                                        <p:attrNameLst>
+                                          <p:attrName>style.visibility</p:attrName>
+                                        </p:attrNameLst>
+                                      </p:cBhvr>
+                                      <p:to>
+                                        <p:strVal val="visible"/>
+                                      </p:to>
+                                    </p:set>
+                                    <p:anim calcmode="lin" valueType="num">
+                                      <p:cBhvr additive="base">
+                                        <p:cTn id="7" dur="500" fill="hold"/>
+                                        <p:tgtEl>
+                                          <p:spTgt spid="3">
+                                            <p:txEl>
+                                              <p:pRg st="0" end="0"/>
+                                            </p:txEl>
+                                          </p:spTgt>
+                                        </p:tgtEl>
+                                        <p:attrNameLst>
+                                          <p:attrName>ppt_x</p:attrName>
+                                        </p:attrNameLst>
+                                      </p:cBhvr>
+                                      <p:tavLst>
+                                        <p:tav tm="0">
+                                          <p:val>
+                                            <p:strVal val="#ppt_x"/>
+                                          </p:val>
+                                        </p:tav>
+                                        <p:tav tm="100000">
+                                          <p:val>
+                                            <p:strVal val="#ppt_x"/>
+                                          </p:val>
+                                        </p:tav>
+                                      </p:tavLst>
+                                    </p:anim>
+                                    <p:anim calcmode="lin" valueType="num">
+                                      <p:cBhvr additive="base">
+                                        <p:cTn id="8" dur="500" fill="hold"/>
+                                        <p:tgtEl>
+                                          <p:spTgt spid="3">
+                                            <p:txEl>
+                                              <p:pRg st="0" end="0"/>
+                                            </p:txEl>
+                                          </p:spTgt>
+                                        </p:tgtEl>
+                                        <p:attrNameLst>
+                                          <p:attrName>ppt_y</p:attrName>
+                                        </p:attrNameLst>
+                                      </p:cBhvr>
+                                      <p:tavLst>
+                                        <p:tav tm="0">
+                                          <p:val>
+                                            <p:strVal val="1+#ppt_h/2"/>
+                                          </p:val>
+                                        </p:tav>
+                                        <p:tav tm="100000">
+                                          <p:val>
+                                            <p:strVal val="#ppt_y"/>
+                                          </p:val>
+                                        </p:tav>
+                                      </p:tavLst>
+                                    </p:anim>
+                                  </p:childTnLst>
+                                </p:cTn>
+                              </p:par>
+                            </p:childTnLst>
+                          </p:cTn>
+                        </p:par>
+                      </p:childTnLst>
+                    </p:cTn>
+                  </p:par>
+                  <p:par>
+                    <p:cTn id="9" fill="hold">
+                      <p:stCondLst>
+                        <p:cond delay="indefinite"/>
+                      </p:stCondLst>
+                      <p:childTnLst>
+                        <p:par>
+                          <p:cTn id="10" fill="hold">
+                            <p:stCondLst>
+                              <p:cond delay="0"/>
+                            </p:stCondLst>
+                            <p:childTnLst>
+                              <p:par>
+                                <p:cTn id="11" presetID="2" presetClass="entr" presetSubtype="4" fill="hold" nodeType="clickEffect">
+                                  <p:stCondLst>
+                                    <p:cond delay="0"/>
+                                  </p:stCondLst>
+                                  <p:childTnLst>
+                                    <p:set>
+                                      <p:cBhvr>
+                                        <p:cTn id="12" dur="1" fill="hold">
+                                          <p:stCondLst>
+                                            <p:cond delay="0"/>
+                                          </p:stCondLst>
+                                        </p:cTn>
+                                        <p:tgtEl>
+                                          <p:spTgt spid="3">
+                                            <p:txEl>
+                                              <p:pRg st="1" end="1"/>
+                                            </p:txEl>
+                                          </p:spTgt>
+                                        </p:tgtEl>
+                                        <p:attrNameLst>
+                                          <p:attrName>style.visibility</p:attrName>
+                                        </p:attrNameLst>
+                                      </p:cBhvr>
+                                      <p:to>
+                                        <p:strVal val="visible"/>
+                                      </p:to>
+                                    </p:set>
+                                    <p:anim calcmode="lin" valueType="num">
+                                      <p:cBhvr additive="base">
+                                        <p:cTn id="13" dur="500" fill="hold"/>
+                                        <p:tgtEl>
+                                          <p:spTgt spid="3">
+                                            <p:txEl>
+                                              <p:pRg st="1" end="1"/>
+                                            </p:txEl>
+                                          </p:spTgt>
+                                        </p:tgtEl>
+                                        <p:attrNameLst>
+                                          <p:attrName>ppt_x</p:attrName>
+                                        </p:attrNameLst>
+                                      </p:cBhvr>
+                                      <p:tavLst>
+                                        <p:tav tm="0">
+                                          <p:val>
+                                            <p:strVal val="#ppt_x"/>
+                                          </p:val>
+                                        </p:tav>
+                                        <p:tav tm="100000">
+                                          <p:val>
+                                            <p:strVal val="#ppt_x"/>
+                                          </p:val>
+                                        </p:tav>
+                                      </p:tavLst>
+                                    </p:anim>
+                                    <p:anim calcmode="lin" valueType="num">
+                                      <p:cBhvr additive="base">
+                                        <p:cTn id="14" dur="500" fill="hold"/>
+                                        <p:tgtEl>
+                                          <p:spTgt spid="3">
+                                            <p:txEl>
+                                              <p:pRg st="1" end="1"/>
+                                            </p:txEl>
+                                          </p:spTgt>
+                                        </p:tgtEl>
+                                        <p:attrNameLst>
+                                          <p:attrName>ppt_y</p:attrName>
+                                        </p:attrNameLst>
+                                      </p:cBhvr>
+                                      <p:tavLst>
+                                        <p:tav tm="0">
+                                          <p:val>
+                                            <p:strVal val="1+#ppt_h/2"/>
+                                          </p:val>
+                                        </p:tav>
+                                        <p:tav tm="100000">
+                                          <p:val>
+                                            <p:strVal val="#ppt_y"/>
+                                          </p:val>
+                                        </p:tav>
+                                      </p:tavLst>
+                                    </p:anim>
+                                  </p:childTnLst>
+                                </p:cTn>
+                              </p:par>
+                            </p:childTnLst>
+                          </p:cTn>
+                        </p:par>
+                      </p:childTnLst>
+                    </p:cTn>
+                  </p:par>
+                  <p:par>
+                    <p:cTn id="15" fill="hold">
+                      <p:stCondLst>
+                        <p:cond delay="indefinite"/>
+                      </p:stCondLst>
+                      <p:childTnLst>
+                        <p:par>
+                          <p:cTn id="16" fill="hold">
+                            <p:stCondLst>
+                              <p:cond delay="0"/>
+                            </p:stCondLst>
+                            <p:childTnLst>
+                              <p:par>
+                                <p:cTn id="17" presetID="2" presetClass="entr" presetSubtype="4" fill="hold" nodeType="clickEffect">
+                                  <p:stCondLst>
+                                    <p:cond delay="0"/>
+                                  </p:stCondLst>
+                                  <p:childTnLst>
+                                    <p:set>
+                                      <p:cBhvr>
+                                        <p:cTn id="18" dur="1" fill="hold">
+                                          <p:stCondLst>
+                                            <p:cond delay="0"/>
+                                          </p:stCondLst>
+                                        </p:cTn>
+                                        <p:tgtEl>
+                                          <p:spTgt spid="3">
+                                            <p:txEl>
+                                              <p:pRg st="2" end="2"/>
+                                            </p:txEl>
+                                          </p:spTgt>
+                                        </p:tgtEl>
+                                        <p:attrNameLst>
+                                          <p:attrName>style.visibility</p:attrName>
+                                        </p:attrNameLst>
+                                      </p:cBhvr>
+                                      <p:to>
+                                        <p:strVal val="visible"/>
+                                      </p:to>
+                                    </p:set>
+                                    <p:anim calcmode="lin" valueType="num">
+                                      <p:cBhvr additive="base">
+                                        <p:cTn id="19" dur="500" fill="hold"/>
+                                        <p:tgtEl>
+                                          <p:spTgt spid="3">
+                                            <p:txEl>
+                                              <p:pRg st="2" end="2"/>
+                                            </p:txEl>
+                                          </p:spTgt>
+                                        </p:tgtEl>
+                                        <p:attrNameLst>
+                                          <p:attrName>ppt_x</p:attrName>
+                                        </p:attrNameLst>
+                                      </p:cBhvr>
+                                      <p:tavLst>
+                                        <p:tav tm="0">
+                                          <p:val>
+                                            <p:strVal val="#ppt_x"/>
+                                          </p:val>
+                                        </p:tav>
+                                        <p:tav tm="100000">
+                                          <p:val>
+                                            <p:strVal val="#ppt_x"/>
+                                          </p:val>
+                                        </p:tav>
+                                      </p:tavLst>
+                                    </p:anim>
+                                    <p:anim calcmode="lin" valueType="num">
+                                      <p:cBhvr additive="base">
+                                        <p:cTn id="20" dur="500" fill="hold"/>
+                                        <p:tgtEl>
+                                          <p:spTgt spid="3">
+                                            <p:txEl>
+                                              <p:pRg st="2" end="2"/>
+                                            </p:txEl>
+                                          </p:spTgt>
+                                        </p:tgtEl>
+                                        <p:attrNameLst>
+                                          <p:attrName>ppt_y</p:attrName>
+                                        </p:attrNameLst>
+                                      </p:cBhvr>
+                                      <p:tavLst>
+                                        <p:tav tm="0">
+                                          <p:val>
+                                            <p:strVal val="1+#ppt_h/2"/>
+                                          </p:val>
+                                        </p:tav>
+                                        <p:tav tm="100000">
+                                          <p:val>
+                                            <p:strVal val="#ppt_y"/>
+                                          </p:val>
+                                        </p:tav>
+                                      </p:tavLst>
+                                    </p:anim>
+                                  </p:childTnLst>
+                                </p:cTn>
+                              </p:par>
+                            </p:childTnLst>
+                          </p:cTn>
+                        </p:par>
+                      </p:childTnLst>
+                    </p:cTn>
+                  </p:par>
+                </p:childTnLst>
+              </p:cTn>
+              <p:prevCondLst>
+                <p:cond evt="onPrev" delay="0">
+                  <p:tgtEl>
+                    <p:sldTgt/>
+                  </p:tgtEl>
+                </p:cond>
+              </p:prevCondLst>
+              <p:nextCondLst>
+                <p:cond evt="onNext" delay="0">
+                  <p:tgtEl>
+                    <p:sldTgt/>
+                  </p:tgtEl>
+                </p:cond>
+              </p:nextCondLst>
+            </p:seq>
+          </p:childTnLst>
+        </p:cTn>
+      </p:par>
+    </p:tnLst>
+  </p:timing>
 </p:sld>
 </file>
 
@@ -4800,7 +5175,545 @@
   <p:timing>
     <p:tnLst>
       <p:par>
-        <p:cTn id="1" dur="indefinite" restart="never" nodeType="tmRoot"/>
+        <p:cTn id="1" dur="indefinite" restart="never" nodeType="tmRoot">
+          <p:childTnLst>
+            <p:seq concurrent="1" nextAc="seek">
+              <p:cTn id="2" dur="indefinite" nodeType="mainSeq">
+                <p:childTnLst>
+                  <p:par>
+                    <p:cTn id="3" fill="hold">
+                      <p:stCondLst>
+                        <p:cond delay="indefinite"/>
+                      </p:stCondLst>
+                      <p:childTnLst>
+                        <p:par>
+                          <p:cTn id="4" fill="hold">
+                            <p:stCondLst>
+                              <p:cond delay="0"/>
+                            </p:stCondLst>
+                            <p:childTnLst>
+                              <p:par>
+                                <p:cTn id="5" presetID="2" presetClass="entr" presetSubtype="4" fill="hold" nodeType="clickEffect">
+                                  <p:stCondLst>
+                                    <p:cond delay="0"/>
+                                  </p:stCondLst>
+                                  <p:childTnLst>
+                                    <p:set>
+                                      <p:cBhvr>
+                                        <p:cTn id="6" dur="1" fill="hold">
+                                          <p:stCondLst>
+                                            <p:cond delay="0"/>
+                                          </p:stCondLst>
+                                        </p:cTn>
+                                        <p:tgtEl>
+                                          <p:spTgt spid="3">
+                                            <p:txEl>
+                                              <p:pRg st="1" end="1"/>
+                                            </p:txEl>
+                                          </p:spTgt>
+                                        </p:tgtEl>
+                                        <p:attrNameLst>
+                                          <p:attrName>style.visibility</p:attrName>
+                                        </p:attrNameLst>
+                                      </p:cBhvr>
+                                      <p:to>
+                                        <p:strVal val="visible"/>
+                                      </p:to>
+                                    </p:set>
+                                    <p:anim calcmode="lin" valueType="num">
+                                      <p:cBhvr additive="base">
+                                        <p:cTn id="7" dur="500" fill="hold"/>
+                                        <p:tgtEl>
+                                          <p:spTgt spid="3">
+                                            <p:txEl>
+                                              <p:pRg st="1" end="1"/>
+                                            </p:txEl>
+                                          </p:spTgt>
+                                        </p:tgtEl>
+                                        <p:attrNameLst>
+                                          <p:attrName>ppt_x</p:attrName>
+                                        </p:attrNameLst>
+                                      </p:cBhvr>
+                                      <p:tavLst>
+                                        <p:tav tm="0">
+                                          <p:val>
+                                            <p:strVal val="#ppt_x"/>
+                                          </p:val>
+                                        </p:tav>
+                                        <p:tav tm="100000">
+                                          <p:val>
+                                            <p:strVal val="#ppt_x"/>
+                                          </p:val>
+                                        </p:tav>
+                                      </p:tavLst>
+                                    </p:anim>
+                                    <p:anim calcmode="lin" valueType="num">
+                                      <p:cBhvr additive="base">
+                                        <p:cTn id="8" dur="500" fill="hold"/>
+                                        <p:tgtEl>
+                                          <p:spTgt spid="3">
+                                            <p:txEl>
+                                              <p:pRg st="1" end="1"/>
+                                            </p:txEl>
+                                          </p:spTgt>
+                                        </p:tgtEl>
+                                        <p:attrNameLst>
+                                          <p:attrName>ppt_y</p:attrName>
+                                        </p:attrNameLst>
+                                      </p:cBhvr>
+                                      <p:tavLst>
+                                        <p:tav tm="0">
+                                          <p:val>
+                                            <p:strVal val="1+#ppt_h/2"/>
+                                          </p:val>
+                                        </p:tav>
+                                        <p:tav tm="100000">
+                                          <p:val>
+                                            <p:strVal val="#ppt_y"/>
+                                          </p:val>
+                                        </p:tav>
+                                      </p:tavLst>
+                                    </p:anim>
+                                  </p:childTnLst>
+                                </p:cTn>
+                              </p:par>
+                            </p:childTnLst>
+                          </p:cTn>
+                        </p:par>
+                      </p:childTnLst>
+                    </p:cTn>
+                  </p:par>
+                  <p:par>
+                    <p:cTn id="9" fill="hold">
+                      <p:stCondLst>
+                        <p:cond delay="indefinite"/>
+                      </p:stCondLst>
+                      <p:childTnLst>
+                        <p:par>
+                          <p:cTn id="10" fill="hold">
+                            <p:stCondLst>
+                              <p:cond delay="0"/>
+                            </p:stCondLst>
+                            <p:childTnLst>
+                              <p:par>
+                                <p:cTn id="11" presetID="2" presetClass="entr" presetSubtype="4" fill="hold" nodeType="clickEffect">
+                                  <p:stCondLst>
+                                    <p:cond delay="0"/>
+                                  </p:stCondLst>
+                                  <p:childTnLst>
+                                    <p:set>
+                                      <p:cBhvr>
+                                        <p:cTn id="12" dur="1" fill="hold">
+                                          <p:stCondLst>
+                                            <p:cond delay="0"/>
+                                          </p:stCondLst>
+                                        </p:cTn>
+                                        <p:tgtEl>
+                                          <p:spTgt spid="3">
+                                            <p:txEl>
+                                              <p:pRg st="2" end="2"/>
+                                            </p:txEl>
+                                          </p:spTgt>
+                                        </p:tgtEl>
+                                        <p:attrNameLst>
+                                          <p:attrName>style.visibility</p:attrName>
+                                        </p:attrNameLst>
+                                      </p:cBhvr>
+                                      <p:to>
+                                        <p:strVal val="visible"/>
+                                      </p:to>
+                                    </p:set>
+                                    <p:anim calcmode="lin" valueType="num">
+                                      <p:cBhvr additive="base">
+                                        <p:cTn id="13" dur="500" fill="hold"/>
+                                        <p:tgtEl>
+                                          <p:spTgt spid="3">
+                                            <p:txEl>
+                                              <p:pRg st="2" end="2"/>
+                                            </p:txEl>
+                                          </p:spTgt>
+                                        </p:tgtEl>
+                                        <p:attrNameLst>
+                                          <p:attrName>ppt_x</p:attrName>
+                                        </p:attrNameLst>
+                                      </p:cBhvr>
+                                      <p:tavLst>
+                                        <p:tav tm="0">
+                                          <p:val>
+                                            <p:strVal val="#ppt_x"/>
+                                          </p:val>
+                                        </p:tav>
+                                        <p:tav tm="100000">
+                                          <p:val>
+                                            <p:strVal val="#ppt_x"/>
+                                          </p:val>
+                                        </p:tav>
+                                      </p:tavLst>
+                                    </p:anim>
+                                    <p:anim calcmode="lin" valueType="num">
+                                      <p:cBhvr additive="base">
+                                        <p:cTn id="14" dur="500" fill="hold"/>
+                                        <p:tgtEl>
+                                          <p:spTgt spid="3">
+                                            <p:txEl>
+                                              <p:pRg st="2" end="2"/>
+                                            </p:txEl>
+                                          </p:spTgt>
+                                        </p:tgtEl>
+                                        <p:attrNameLst>
+                                          <p:attrName>ppt_y</p:attrName>
+                                        </p:attrNameLst>
+                                      </p:cBhvr>
+                                      <p:tavLst>
+                                        <p:tav tm="0">
+                                          <p:val>
+                                            <p:strVal val="1+#ppt_h/2"/>
+                                          </p:val>
+                                        </p:tav>
+                                        <p:tav tm="100000">
+                                          <p:val>
+                                            <p:strVal val="#ppt_y"/>
+                                          </p:val>
+                                        </p:tav>
+                                      </p:tavLst>
+                                    </p:anim>
+                                  </p:childTnLst>
+                                </p:cTn>
+                              </p:par>
+                            </p:childTnLst>
+                          </p:cTn>
+                        </p:par>
+                      </p:childTnLst>
+                    </p:cTn>
+                  </p:par>
+                  <p:par>
+                    <p:cTn id="15" fill="hold">
+                      <p:stCondLst>
+                        <p:cond delay="indefinite"/>
+                      </p:stCondLst>
+                      <p:childTnLst>
+                        <p:par>
+                          <p:cTn id="16" fill="hold">
+                            <p:stCondLst>
+                              <p:cond delay="0"/>
+                            </p:stCondLst>
+                            <p:childTnLst>
+                              <p:par>
+                                <p:cTn id="17" presetID="2" presetClass="entr" presetSubtype="4" fill="hold" nodeType="clickEffect">
+                                  <p:stCondLst>
+                                    <p:cond delay="0"/>
+                                  </p:stCondLst>
+                                  <p:childTnLst>
+                                    <p:set>
+                                      <p:cBhvr>
+                                        <p:cTn id="18" dur="1" fill="hold">
+                                          <p:stCondLst>
+                                            <p:cond delay="0"/>
+                                          </p:stCondLst>
+                                        </p:cTn>
+                                        <p:tgtEl>
+                                          <p:spTgt spid="3">
+                                            <p:txEl>
+                                              <p:pRg st="3" end="3"/>
+                                            </p:txEl>
+                                          </p:spTgt>
+                                        </p:tgtEl>
+                                        <p:attrNameLst>
+                                          <p:attrName>style.visibility</p:attrName>
+                                        </p:attrNameLst>
+                                      </p:cBhvr>
+                                      <p:to>
+                                        <p:strVal val="visible"/>
+                                      </p:to>
+                                    </p:set>
+                                    <p:anim calcmode="lin" valueType="num">
+                                      <p:cBhvr additive="base">
+                                        <p:cTn id="19" dur="500" fill="hold"/>
+                                        <p:tgtEl>
+                                          <p:spTgt spid="3">
+                                            <p:txEl>
+                                              <p:pRg st="3" end="3"/>
+                                            </p:txEl>
+                                          </p:spTgt>
+                                        </p:tgtEl>
+                                        <p:attrNameLst>
+                                          <p:attrName>ppt_x</p:attrName>
+                                        </p:attrNameLst>
+                                      </p:cBhvr>
+                                      <p:tavLst>
+                                        <p:tav tm="0">
+                                          <p:val>
+                                            <p:strVal val="#ppt_x"/>
+                                          </p:val>
+                                        </p:tav>
+                                        <p:tav tm="100000">
+                                          <p:val>
+                                            <p:strVal val="#ppt_x"/>
+                                          </p:val>
+                                        </p:tav>
+                                      </p:tavLst>
+                                    </p:anim>
+                                    <p:anim calcmode="lin" valueType="num">
+                                      <p:cBhvr additive="base">
+                                        <p:cTn id="20" dur="500" fill="hold"/>
+                                        <p:tgtEl>
+                                          <p:spTgt spid="3">
+                                            <p:txEl>
+                                              <p:pRg st="3" end="3"/>
+                                            </p:txEl>
+                                          </p:spTgt>
+                                        </p:tgtEl>
+                                        <p:attrNameLst>
+                                          <p:attrName>ppt_y</p:attrName>
+                                        </p:attrNameLst>
+                                      </p:cBhvr>
+                                      <p:tavLst>
+                                        <p:tav tm="0">
+                                          <p:val>
+                                            <p:strVal val="1+#ppt_h/2"/>
+                                          </p:val>
+                                        </p:tav>
+                                        <p:tav tm="100000">
+                                          <p:val>
+                                            <p:strVal val="#ppt_y"/>
+                                          </p:val>
+                                        </p:tav>
+                                      </p:tavLst>
+                                    </p:anim>
+                                  </p:childTnLst>
+                                </p:cTn>
+                              </p:par>
+                            </p:childTnLst>
+                          </p:cTn>
+                        </p:par>
+                      </p:childTnLst>
+                    </p:cTn>
+                  </p:par>
+                  <p:par>
+                    <p:cTn id="21" fill="hold">
+                      <p:stCondLst>
+                        <p:cond delay="indefinite"/>
+                      </p:stCondLst>
+                      <p:childTnLst>
+                        <p:par>
+                          <p:cTn id="22" fill="hold">
+                            <p:stCondLst>
+                              <p:cond delay="0"/>
+                            </p:stCondLst>
+                            <p:childTnLst>
+                              <p:par>
+                                <p:cTn id="23" presetID="2" presetClass="entr" presetSubtype="4" fill="hold" nodeType="clickEffect">
+                                  <p:stCondLst>
+                                    <p:cond delay="0"/>
+                                  </p:stCondLst>
+                                  <p:childTnLst>
+                                    <p:set>
+                                      <p:cBhvr>
+                                        <p:cTn id="24" dur="1" fill="hold">
+                                          <p:stCondLst>
+                                            <p:cond delay="0"/>
+                                          </p:stCondLst>
+                                        </p:cTn>
+                                        <p:tgtEl>
+                                          <p:spTgt spid="3">
+                                            <p:txEl>
+                                              <p:pRg st="4" end="4"/>
+                                            </p:txEl>
+                                          </p:spTgt>
+                                        </p:tgtEl>
+                                        <p:attrNameLst>
+                                          <p:attrName>style.visibility</p:attrName>
+                                        </p:attrNameLst>
+                                      </p:cBhvr>
+                                      <p:to>
+                                        <p:strVal val="visible"/>
+                                      </p:to>
+                                    </p:set>
+                                    <p:anim calcmode="lin" valueType="num">
+                                      <p:cBhvr additive="base">
+                                        <p:cTn id="25" dur="500" fill="hold"/>
+                                        <p:tgtEl>
+                                          <p:spTgt spid="3">
+                                            <p:txEl>
+                                              <p:pRg st="4" end="4"/>
+                                            </p:txEl>
+                                          </p:spTgt>
+                                        </p:tgtEl>
+                                        <p:attrNameLst>
+                                          <p:attrName>ppt_x</p:attrName>
+                                        </p:attrNameLst>
+                                      </p:cBhvr>
+                                      <p:tavLst>
+                                        <p:tav tm="0">
+                                          <p:val>
+                                            <p:strVal val="#ppt_x"/>
+                                          </p:val>
+                                        </p:tav>
+                                        <p:tav tm="100000">
+                                          <p:val>
+                                            <p:strVal val="#ppt_x"/>
+                                          </p:val>
+                                        </p:tav>
+                                      </p:tavLst>
+                                    </p:anim>
+                                    <p:anim calcmode="lin" valueType="num">
+                                      <p:cBhvr additive="base">
+                                        <p:cTn id="26" dur="500" fill="hold"/>
+                                        <p:tgtEl>
+                                          <p:spTgt spid="3">
+                                            <p:txEl>
+                                              <p:pRg st="4" end="4"/>
+                                            </p:txEl>
+                                          </p:spTgt>
+                                        </p:tgtEl>
+                                        <p:attrNameLst>
+                                          <p:attrName>ppt_y</p:attrName>
+                                        </p:attrNameLst>
+                                      </p:cBhvr>
+                                      <p:tavLst>
+                                        <p:tav tm="0">
+                                          <p:val>
+                                            <p:strVal val="1+#ppt_h/2"/>
+                                          </p:val>
+                                        </p:tav>
+                                        <p:tav tm="100000">
+                                          <p:val>
+                                            <p:strVal val="#ppt_y"/>
+                                          </p:val>
+                                        </p:tav>
+                                      </p:tavLst>
+                                    </p:anim>
+                                  </p:childTnLst>
+                                </p:cTn>
+                              </p:par>
+                            </p:childTnLst>
+                          </p:cTn>
+                        </p:par>
+                      </p:childTnLst>
+                    </p:cTn>
+                  </p:par>
+                  <p:par>
+                    <p:cTn id="27" fill="hold">
+                      <p:stCondLst>
+                        <p:cond delay="indefinite"/>
+                      </p:stCondLst>
+                      <p:childTnLst>
+                        <p:par>
+                          <p:cTn id="28" fill="hold">
+                            <p:stCondLst>
+                              <p:cond delay="0"/>
+                            </p:stCondLst>
+                            <p:childTnLst>
+                              <p:par>
+                                <p:cTn id="29" presetID="2" presetClass="entr" presetSubtype="4" fill="hold" nodeType="clickEffect">
+                                  <p:stCondLst>
+                                    <p:cond delay="0"/>
+                                  </p:stCondLst>
+                                  <p:childTnLst>
+                                    <p:set>
+                                      <p:cBhvr>
+                                        <p:cTn id="30" dur="1" fill="hold">
+                                          <p:stCondLst>
+                                            <p:cond delay="0"/>
+                                          </p:stCondLst>
+                                        </p:cTn>
+                                        <p:tgtEl>
+                                          <p:spTgt spid="3">
+                                            <p:txEl>
+                                              <p:pRg st="5" end="5"/>
+                                            </p:txEl>
+                                          </p:spTgt>
+                                        </p:tgtEl>
+                                        <p:attrNameLst>
+                                          <p:attrName>style.visibility</p:attrName>
+                                        </p:attrNameLst>
+                                      </p:cBhvr>
+                                      <p:to>
+                                        <p:strVal val="visible"/>
+                                      </p:to>
+                                    </p:set>
+                                    <p:anim calcmode="lin" valueType="num">
+                                      <p:cBhvr additive="base">
+                                        <p:cTn id="31" dur="500" fill="hold"/>
+                                        <p:tgtEl>
+                                          <p:spTgt spid="3">
+                                            <p:txEl>
+                                              <p:pRg st="5" end="5"/>
+                                            </p:txEl>
+                                          </p:spTgt>
+                                        </p:tgtEl>
+                                        <p:attrNameLst>
+                                          <p:attrName>ppt_x</p:attrName>
+                                        </p:attrNameLst>
+                                      </p:cBhvr>
+                                      <p:tavLst>
+                                        <p:tav tm="0">
+                                          <p:val>
+                                            <p:strVal val="#ppt_x"/>
+                                          </p:val>
+                                        </p:tav>
+                                        <p:tav tm="100000">
+                                          <p:val>
+                                            <p:strVal val="#ppt_x"/>
+                                          </p:val>
+                                        </p:tav>
+                                      </p:tavLst>
+                                    </p:anim>
+                                    <p:anim calcmode="lin" valueType="num">
+                                      <p:cBhvr additive="base">
+                                        <p:cTn id="32" dur="500" fill="hold"/>
+                                        <p:tgtEl>
+                                          <p:spTgt spid="3">
+                                            <p:txEl>
+                                              <p:pRg st="5" end="5"/>
+                                            </p:txEl>
+                                          </p:spTgt>
+                                        </p:tgtEl>
+                                        <p:attrNameLst>
+                                          <p:attrName>ppt_y</p:attrName>
+                                        </p:attrNameLst>
+                                      </p:cBhvr>
+                                      <p:tavLst>
+                                        <p:tav tm="0">
+                                          <p:val>
+                                            <p:strVal val="1+#ppt_h/2"/>
+                                          </p:val>
+                                        </p:tav>
+                                        <p:tav tm="100000">
+                                          <p:val>
+                                            <p:strVal val="#ppt_y"/>
+                                          </p:val>
+                                        </p:tav>
+                                      </p:tavLst>
+                                    </p:anim>
+                                  </p:childTnLst>
+                                </p:cTn>
+                              </p:par>
+                            </p:childTnLst>
+                          </p:cTn>
+                        </p:par>
+                      </p:childTnLst>
+                    </p:cTn>
+                  </p:par>
+                </p:childTnLst>
+              </p:cTn>
+              <p:prevCondLst>
+                <p:cond evt="onPrev" delay="0">
+                  <p:tgtEl>
+                    <p:sldTgt/>
+                  </p:tgtEl>
+                </p:cond>
+              </p:prevCondLst>
+              <p:nextCondLst>
+                <p:cond evt="onNext" delay="0">
+                  <p:tgtEl>
+                    <p:sldTgt/>
+                  </p:tgtEl>
+                </p:cond>
+              </p:nextCondLst>
+            </p:seq>
+          </p:childTnLst>
+        </p:cTn>
       </p:par>
     </p:tnLst>
   </p:timing>
@@ -4913,129 +5826,6 @@
 </file>
 
 <file path=ppt/slides/slide8.xml><?xml version="1.0" encoding="utf-8"?>
-<p:sld xmlns:a="http://schemas.openxmlformats.org/drawingml/2006/main" xmlns:r="http://schemas.openxmlformats.org/officeDocument/2006/relationships" xmlns:p="http://schemas.openxmlformats.org/presentationml/2006/main">
-  <p:cSld>
-    <p:spTree>
-      <p:nvGrpSpPr>
-        <p:cNvPr id="1" name=""/>
-        <p:cNvGrpSpPr/>
-        <p:nvPr/>
-      </p:nvGrpSpPr>
-      <p:grpSpPr>
-        <a:xfrm>
-          <a:off x="0" y="0"/>
-          <a:ext cx="0" cy="0"/>
-          <a:chOff x="0" y="0"/>
-          <a:chExt cx="0" cy="0"/>
-        </a:xfrm>
-      </p:grpSpPr>
-      <p:sp>
-        <p:nvSpPr>
-          <p:cNvPr id="2" name="标题 1"/>
-          <p:cNvSpPr>
-            <a:spLocks noGrp="1"/>
-          </p:cNvSpPr>
-          <p:nvPr>
-            <p:ph type="title"/>
-          </p:nvPr>
-        </p:nvSpPr>
-        <p:spPr/>
-        <p:txBody>
-          <a:bodyPr/>
-          <a:lstStyle/>
-          <a:p>
-            <a:endParaRPr lang="zh-CN" altLang="en-US"/>
-          </a:p>
-        </p:txBody>
-      </p:sp>
-      <p:sp>
-        <p:nvSpPr>
-          <p:cNvPr id="3" name="内容占位符 2"/>
-          <p:cNvSpPr>
-            <a:spLocks noGrp="1"/>
-          </p:cNvSpPr>
-          <p:nvPr>
-            <p:ph idx="1"/>
-          </p:nvPr>
-        </p:nvSpPr>
-        <p:spPr/>
-        <p:txBody>
-          <a:bodyPr/>
-          <a:lstStyle/>
-          <a:p>
-            <a:endParaRPr lang="zh-CN" altLang="en-US"/>
-          </a:p>
-        </p:txBody>
-      </p:sp>
-      <p:pic>
-        <p:nvPicPr>
-          <p:cNvPr id="4" name="图片 3"/>
-          <p:cNvPicPr>
-            <a:picLocks noChangeAspect="1"/>
-          </p:cNvPicPr>
-          <p:nvPr/>
-        </p:nvPicPr>
-        <p:blipFill>
-          <a:blip r:embed="rId2"/>
-          <a:stretch>
-            <a:fillRect/>
-          </a:stretch>
-        </p:blipFill>
-        <p:spPr>
-          <a:xfrm>
-            <a:off x="900893" y="205142"/>
-            <a:ext cx="4065614" cy="5609516"/>
-          </a:xfrm>
-          <a:prstGeom prst="rect">
-            <a:avLst/>
-          </a:prstGeom>
-        </p:spPr>
-      </p:pic>
-      <p:pic>
-        <p:nvPicPr>
-          <p:cNvPr id="5" name="图片 4"/>
-          <p:cNvPicPr>
-            <a:picLocks noChangeAspect="1"/>
-          </p:cNvPicPr>
-          <p:nvPr/>
-        </p:nvPicPr>
-        <p:blipFill>
-          <a:blip r:embed="rId3"/>
-          <a:stretch>
-            <a:fillRect/>
-          </a:stretch>
-        </p:blipFill>
-        <p:spPr>
-          <a:xfrm>
-            <a:off x="5384799" y="323897"/>
-            <a:ext cx="4597402" cy="5575206"/>
-          </a:xfrm>
-          <a:prstGeom prst="rect">
-            <a:avLst/>
-          </a:prstGeom>
-        </p:spPr>
-      </p:pic>
-    </p:spTree>
-    <p:extLst>
-      <p:ext uri="{BB962C8B-B14F-4D97-AF65-F5344CB8AC3E}">
-        <p14:creationId xmlns:p14="http://schemas.microsoft.com/office/powerpoint/2010/main" val="1105997045"/>
-      </p:ext>
-    </p:extLst>
-  </p:cSld>
-  <p:clrMapOvr>
-    <a:masterClrMapping/>
-  </p:clrMapOvr>
-  <p:timing>
-    <p:tnLst>
-      <p:par>
-        <p:cTn id="1" dur="indefinite" restart="never" nodeType="tmRoot"/>
-      </p:par>
-    </p:tnLst>
-  </p:timing>
-</p:sld>
-</file>
-
-<file path=ppt/slides/slide9.xml><?xml version="1.0" encoding="utf-8"?>
 <p:sld xmlns:a="http://schemas.openxmlformats.org/drawingml/2006/main" xmlns:r="http://schemas.openxmlformats.org/officeDocument/2006/relationships" xmlns:p="http://schemas.openxmlformats.org/presentationml/2006/main">
   <p:cSld>
     <p:spTree>
